--- a/实验一与实验二.pptx
+++ b/实验一与实验二.pptx
@@ -318,7 +318,7 @@
             <a:fld id="{1D8BD707-D9CF-40AE-B4C6-C98DA3205C09}" type="datetimeFigureOut">
               <a:rPr lang="en-US" smtClean="0"/>
               <a:pPr/>
-              <a:t>12/6/2021</a:t>
+              <a:t>1/16/2022</a:t>
             </a:fld>
             <a:endParaRPr lang="en-US"/>
           </a:p>
@@ -483,7 +483,7 @@
             <a:fld id="{1D8BD707-D9CF-40AE-B4C6-C98DA3205C09}" type="datetimeFigureOut">
               <a:rPr lang="en-US" smtClean="0"/>
               <a:pPr/>
-              <a:t>12/6/2021</a:t>
+              <a:t>1/16/2022</a:t>
             </a:fld>
             <a:endParaRPr lang="en-US"/>
           </a:p>
@@ -658,7 +658,7 @@
             <a:fld id="{1D8BD707-D9CF-40AE-B4C6-C98DA3205C09}" type="datetimeFigureOut">
               <a:rPr lang="en-US" smtClean="0"/>
               <a:pPr/>
-              <a:t>12/6/2021</a:t>
+              <a:t>1/16/2022</a:t>
             </a:fld>
             <a:endParaRPr lang="en-US"/>
           </a:p>
@@ -823,7 +823,7 @@
             <a:fld id="{1D8BD707-D9CF-40AE-B4C6-C98DA3205C09}" type="datetimeFigureOut">
               <a:rPr lang="en-US" smtClean="0"/>
               <a:pPr/>
-              <a:t>12/6/2021</a:t>
+              <a:t>1/16/2022</a:t>
             </a:fld>
             <a:endParaRPr lang="en-US"/>
           </a:p>
@@ -1065,7 +1065,7 @@
             <a:fld id="{1D8BD707-D9CF-40AE-B4C6-C98DA3205C09}" type="datetimeFigureOut">
               <a:rPr lang="en-US" smtClean="0"/>
               <a:pPr/>
-              <a:t>12/6/2021</a:t>
+              <a:t>1/16/2022</a:t>
             </a:fld>
             <a:endParaRPr lang="en-US"/>
           </a:p>
@@ -1347,7 +1347,7 @@
             <a:fld id="{1D8BD707-D9CF-40AE-B4C6-C98DA3205C09}" type="datetimeFigureOut">
               <a:rPr lang="en-US" smtClean="0"/>
               <a:pPr/>
-              <a:t>12/6/2021</a:t>
+              <a:t>1/16/2022</a:t>
             </a:fld>
             <a:endParaRPr lang="en-US"/>
           </a:p>
@@ -1763,7 +1763,7 @@
             <a:fld id="{1D8BD707-D9CF-40AE-B4C6-C98DA3205C09}" type="datetimeFigureOut">
               <a:rPr lang="en-US" smtClean="0"/>
               <a:pPr/>
-              <a:t>12/6/2021</a:t>
+              <a:t>1/16/2022</a:t>
             </a:fld>
             <a:endParaRPr lang="en-US"/>
           </a:p>
@@ -1877,7 +1877,7 @@
             <a:fld id="{1D8BD707-D9CF-40AE-B4C6-C98DA3205C09}" type="datetimeFigureOut">
               <a:rPr lang="en-US" smtClean="0"/>
               <a:pPr/>
-              <a:t>12/6/2021</a:t>
+              <a:t>1/16/2022</a:t>
             </a:fld>
             <a:endParaRPr lang="en-US"/>
           </a:p>
@@ -1969,7 +1969,7 @@
             <a:fld id="{1D8BD707-D9CF-40AE-B4C6-C98DA3205C09}" type="datetimeFigureOut">
               <a:rPr lang="en-US" smtClean="0"/>
               <a:pPr/>
-              <a:t>12/6/2021</a:t>
+              <a:t>1/16/2022</a:t>
             </a:fld>
             <a:endParaRPr lang="en-US"/>
           </a:p>
@@ -2241,7 +2241,7 @@
             <a:fld id="{1D8BD707-D9CF-40AE-B4C6-C98DA3205C09}" type="datetimeFigureOut">
               <a:rPr lang="en-US" smtClean="0"/>
               <a:pPr/>
-              <a:t>12/6/2021</a:t>
+              <a:t>1/16/2022</a:t>
             </a:fld>
             <a:endParaRPr lang="en-US"/>
           </a:p>
@@ -2490,7 +2490,7 @@
             <a:fld id="{1D8BD707-D9CF-40AE-B4C6-C98DA3205C09}" type="datetimeFigureOut">
               <a:rPr lang="en-US" smtClean="0"/>
               <a:pPr/>
-              <a:t>12/6/2021</a:t>
+              <a:t>1/16/2022</a:t>
             </a:fld>
             <a:endParaRPr lang="en-US"/>
           </a:p>
@@ -2698,7 +2698,7 @@
             <a:fld id="{1D8BD707-D9CF-40AE-B4C6-C98DA3205C09}" type="datetimeFigureOut">
               <a:rPr lang="en-US" smtClean="0"/>
               <a:pPr/>
-              <a:t>12/6/2021</a:t>
+              <a:t>1/16/2022</a:t>
             </a:fld>
             <a:endParaRPr lang="en-US"/>
           </a:p>
@@ -4948,7 +4948,7 @@
         <p:spPr>
           <a:xfrm>
             <a:off x="1295400" y="2705100"/>
-            <a:ext cx="15316200" cy="3539430"/>
+            <a:ext cx="15316200" cy="2246769"/>
           </a:xfrm>
           <a:prstGeom prst="rect">
             <a:avLst/>
@@ -5080,99 +5080,18 @@
                 </a:solidFill>
                 <a:ea typeface="字由点字典黑 65J"/>
               </a:rPr>
-              <a:t>若有问题请及时联系助教：</a:t>
+              <a:t>若有问题请及时联系</a:t>
+            </a:r>
+            <a:r>
+              <a:rPr lang="zh-CN" altLang="en-US" sz="2800">
+                <a:solidFill>
+                  <a:srgbClr val="545454"/>
+                </a:solidFill>
+                <a:ea typeface="字由点字典黑 65J"/>
+              </a:rPr>
+              <a:t>助教：</a:t>
             </a:r>
             <a:endParaRPr lang="en-US" altLang="zh-CN" sz="2800" dirty="0">
-              <a:solidFill>
-                <a:srgbClr val="545454"/>
-              </a:solidFill>
-              <a:ea typeface="字由点字典黑 65J"/>
-            </a:endParaRPr>
-          </a:p>
-          <a:p>
-            <a:endParaRPr lang="en-US" altLang="zh-CN" sz="2800" dirty="0">
-              <a:solidFill>
-                <a:srgbClr val="545454"/>
-              </a:solidFill>
-              <a:ea typeface="字由点字典黑 65J"/>
-            </a:endParaRPr>
-          </a:p>
-          <a:p>
-            <a:r>
-              <a:rPr lang="zh-CN" altLang="en-US" sz="2800" dirty="0">
-                <a:solidFill>
-                  <a:srgbClr val="545454"/>
-                </a:solidFill>
-                <a:ea typeface="字由点字典黑 65J"/>
-              </a:rPr>
-              <a:t>曾志敏：     </a:t>
-            </a:r>
-            <a:r>
-              <a:rPr lang="en-US" altLang="zh-CN" sz="2800" dirty="0">
-                <a:solidFill>
-                  <a:srgbClr val="545454"/>
-                </a:solidFill>
-                <a:ea typeface="字由点字典黑 65J"/>
-              </a:rPr>
-              <a:t>15197335951         QQ</a:t>
-            </a:r>
-            <a:r>
-              <a:rPr lang="zh-CN" altLang="en-US" sz="2800" dirty="0">
-                <a:solidFill>
-                  <a:srgbClr val="545454"/>
-                </a:solidFill>
-                <a:ea typeface="字由点字典黑 65J"/>
-              </a:rPr>
-              <a:t>：</a:t>
-            </a:r>
-            <a:r>
-              <a:rPr lang="en-US" altLang="zh-CN" sz="2800" dirty="0">
-                <a:solidFill>
-                  <a:srgbClr val="545454"/>
-                </a:solidFill>
-                <a:ea typeface="字由点字典黑 65J"/>
-              </a:rPr>
-              <a:t>820460891</a:t>
-            </a:r>
-          </a:p>
-          <a:p>
-            <a:r>
-              <a:rPr lang="zh-CN" altLang="en-US" sz="2800" dirty="0">
-                <a:solidFill>
-                  <a:srgbClr val="545454"/>
-                </a:solidFill>
-                <a:ea typeface="字由点字典黑 65J"/>
-              </a:rPr>
-              <a:t>刘伟光：     </a:t>
-            </a:r>
-            <a:r>
-              <a:rPr lang="en-US" altLang="zh-CN" sz="2800" dirty="0">
-                <a:solidFill>
-                  <a:srgbClr val="545454"/>
-                </a:solidFill>
-                <a:ea typeface="字由点字典黑 65J"/>
-              </a:rPr>
-              <a:t>15827135186	QQ</a:t>
-            </a:r>
-            <a:r>
-              <a:rPr lang="zh-CN" altLang="en-US" sz="2800" dirty="0">
-                <a:solidFill>
-                  <a:srgbClr val="545454"/>
-                </a:solidFill>
-                <a:ea typeface="字由点字典黑 65J"/>
-              </a:rPr>
-              <a:t>：</a:t>
-            </a:r>
-            <a:r>
-              <a:rPr lang="en-US" altLang="zh-CN" sz="2800" dirty="0">
-                <a:solidFill>
-                  <a:srgbClr val="545454"/>
-                </a:solidFill>
-                <a:ea typeface="字由点字典黑 65J"/>
-              </a:rPr>
-              <a:t>1486111482</a:t>
-            </a:r>
-            <a:endParaRPr lang="zh-CN" altLang="en-US" sz="2800" dirty="0">
               <a:solidFill>
                 <a:srgbClr val="545454"/>
               </a:solidFill>
